--- a/Presentation.pptx
+++ b/Presentation.pptx
@@ -5,7 +5,7 @@
     <p:sldMasterId id="2147483678" r:id="rId1"/>
   </p:sldMasterIdLst>
   <p:notesMasterIdLst>
-    <p:notesMasterId r:id="rId73"/>
+    <p:notesMasterId r:id="rId75"/>
   </p:notesMasterIdLst>
   <p:sldIdLst>
     <p:sldId id="622" r:id="rId2"/>
@@ -75,10 +75,12 @@
     <p:sldId id="611" r:id="rId66"/>
     <p:sldId id="612" r:id="rId67"/>
     <p:sldId id="380" r:id="rId68"/>
-    <p:sldId id="466" r:id="rId69"/>
-    <p:sldId id="654" r:id="rId70"/>
-    <p:sldId id="309" r:id="rId71"/>
-    <p:sldId id="655" r:id="rId72"/>
+    <p:sldId id="511" r:id="rId69"/>
+    <p:sldId id="656" r:id="rId70"/>
+    <p:sldId id="466" r:id="rId71"/>
+    <p:sldId id="654" r:id="rId72"/>
+    <p:sldId id="309" r:id="rId73"/>
+    <p:sldId id="655" r:id="rId74"/>
   </p:sldIdLst>
   <p:sldSz cx="12192000" cy="6858000"/>
   <p:notesSz cx="6858000" cy="9144000"/>
@@ -26145,7 +26147,7 @@
             </a:pPr>
             <a:r>
               <a:rPr lang="en-US" dirty="0"/>
-              <a:t>FINAL WORDS</a:t>
+              <a:t>Running the demo</a:t>
             </a:r>
           </a:p>
         </p:txBody>
@@ -26219,6 +26221,99 @@
       </p:sp>
       <p:sp>
         <p:nvSpPr>
+          <p:cNvPr id="5" name="Content Placeholder 4"/>
+          <p:cNvSpPr>
+            <a:spLocks noGrp="1"/>
+          </p:cNvSpPr>
+          <p:nvPr>
+            <p:ph idx="1"/>
+          </p:nvPr>
+        </p:nvSpPr>
+        <p:spPr>
+          <a:xfrm>
+            <a:off x="1141413" y="1712549"/>
+            <a:ext cx="11696797" cy="5458202"/>
+          </a:xfrm>
+        </p:spPr>
+        <p:txBody>
+          <a:bodyPr>
+            <a:normAutofit/>
+          </a:bodyPr>
+          <a:lstStyle/>
+          <a:p>
+            <a:pPr>
+              <a:lnSpc>
+                <a:spcPct val="100000"/>
+              </a:lnSpc>
+            </a:pPr>
+            <a:r>
+              <a:rPr lang="en-US" dirty="0"/>
+              <a:t>Go to the Code folder in your terminal</a:t>
+            </a:r>
+            <a:endParaRPr lang="en-GB" dirty="0"/>
+          </a:p>
+          <a:p>
+            <a:pPr>
+              <a:lnSpc>
+                <a:spcPct val="100000"/>
+              </a:lnSpc>
+            </a:pPr>
+            <a:r>
+              <a:rPr lang="en-US" dirty="0"/>
+              <a:t>Build all images:</a:t>
+            </a:r>
+          </a:p>
+          <a:p>
+            <a:pPr marL="0" indent="0">
+              <a:lnSpc>
+                <a:spcPct val="100000"/>
+              </a:lnSpc>
+              <a:buNone/>
+            </a:pPr>
+            <a:endParaRPr lang="en-US" dirty="0"/>
+          </a:p>
+          <a:p>
+            <a:pPr>
+              <a:lnSpc>
+                <a:spcPct val="100000"/>
+              </a:lnSpc>
+            </a:pPr>
+            <a:r>
+              <a:rPr lang="en-US" dirty="0"/>
+              <a:t>Run the application:</a:t>
+            </a:r>
+          </a:p>
+          <a:p>
+            <a:pPr>
+              <a:lnSpc>
+                <a:spcPct val="100000"/>
+              </a:lnSpc>
+            </a:pPr>
+            <a:endParaRPr lang="en-US" dirty="0"/>
+          </a:p>
+          <a:p>
+            <a:pPr>
+              <a:lnSpc>
+                <a:spcPct val="100000"/>
+              </a:lnSpc>
+            </a:pPr>
+            <a:r>
+              <a:rPr lang="en-US" dirty="0"/>
+              <a:t>Clean up:</a:t>
+            </a:r>
+          </a:p>
+          <a:p>
+            <a:pPr>
+              <a:lnSpc>
+                <a:spcPct val="100000"/>
+              </a:lnSpc>
+            </a:pPr>
+            <a:endParaRPr lang="en-US" dirty="0"/>
+          </a:p>
+        </p:txBody>
+      </p:sp>
+      <p:sp>
+        <p:nvSpPr>
           <p:cNvPr id="4" name="Title 3"/>
           <p:cNvSpPr>
             <a:spLocks noGrp="1"/>
@@ -26234,107 +26329,669 @@
           <a:p>
             <a:r>
               <a:rPr lang="en-US" dirty="0"/>
-              <a:t>Summary</a:t>
-            </a:r>
-          </a:p>
-        </p:txBody>
-      </p:sp>
-      <p:sp>
-        <p:nvSpPr>
-          <p:cNvPr id="8" name="Content Placeholder 4">
+              <a:t>Running the demo</a:t>
+            </a:r>
+          </a:p>
+        </p:txBody>
+      </p:sp>
+      <p:sp>
+        <p:nvSpPr>
+          <p:cNvPr id="8" name="Text Placeholder 5">
             <a:extLst>
               <a:ext uri="{FF2B5EF4-FFF2-40B4-BE49-F238E27FC236}">
-                <a16:creationId xmlns:a16="http://schemas.microsoft.com/office/drawing/2014/main" id="{126C0C9E-A891-4FD3-9AE3-7D644538D54D}"/>
+                <a16:creationId xmlns:a16="http://schemas.microsoft.com/office/drawing/2014/main" id="{024DB43F-0515-43BD-B5E5-23FE85FE923E}"/>
               </a:ext>
             </a:extLst>
           </p:cNvPr>
           <p:cNvSpPr>
             <a:spLocks noGrp="1"/>
           </p:cNvSpPr>
-          <p:nvPr>
-            <p:ph idx="1"/>
-          </p:nvPr>
+          <p:nvPr/>
         </p:nvSpPr>
         <p:spPr>
           <a:xfrm>
-            <a:off x="1141414" y="1805699"/>
-            <a:ext cx="10513175" cy="4611143"/>
+            <a:off x="1342417" y="2701550"/>
+            <a:ext cx="9503990" cy="495108"/>
           </a:xfrm>
+          <a:prstGeom prst="rect">
+            <a:avLst/>
+          </a:prstGeom>
+          <a:solidFill>
+            <a:schemeClr val="accent6">
+              <a:lumMod val="75000"/>
+              <a:alpha val="15000"/>
+            </a:schemeClr>
+          </a:solidFill>
+          <a:ln w="12700">
+            <a:solidFill>
+              <a:schemeClr val="tx1">
+                <a:lumMod val="50000"/>
+              </a:schemeClr>
+            </a:solidFill>
+          </a:ln>
         </p:spPr>
         <p:txBody>
-          <a:bodyPr>
-            <a:normAutofit fontScale="92500" lnSpcReduction="10000"/>
+          <a:bodyPr vert="horz" wrap="square" lIns="144000" tIns="108000" rIns="144000" bIns="108000" rtlCol="0">
+            <a:spAutoFit/>
           </a:bodyPr>
-          <a:lstStyle/>
-          <a:p>
-            <a:r>
-              <a:rPr lang="en-US" sz="2800" dirty="0"/>
-              <a:t>About Code It Up</a:t>
-            </a:r>
-          </a:p>
-          <a:p>
-            <a:r>
-              <a:rPr lang="en-US" sz="2800" dirty="0"/>
-              <a:t>Microservice Communication Types</a:t>
-            </a:r>
-          </a:p>
-          <a:p>
-            <a:r>
-              <a:rPr lang="en-US" sz="2800" dirty="0"/>
-              <a:t>Consistency Between Services</a:t>
-            </a:r>
-          </a:p>
-          <a:p>
-            <a:r>
-              <a:rPr lang="en-US" sz="2800" dirty="0"/>
-              <a:t>Communication Between Services</a:t>
-            </a:r>
-          </a:p>
-          <a:p>
-            <a:r>
-              <a:rPr lang="en-US" sz="2800" noProof="1"/>
-              <a:t>Using A Message Broker</a:t>
-            </a:r>
-          </a:p>
-          <a:p>
-            <a:r>
-              <a:rPr lang="en-US" sz="2800" noProof="1"/>
-              <a:t>Partial Failures</a:t>
-            </a:r>
-          </a:p>
-          <a:p>
-            <a:r>
-              <a:rPr lang="en-US" sz="2800" dirty="0"/>
-              <a:t>Messages Resiliency</a:t>
-            </a:r>
-          </a:p>
-          <a:p>
-            <a:r>
-              <a:rPr lang="en-US" sz="2800" dirty="0"/>
-              <a:t>The Outbox Pattern</a:t>
-            </a:r>
-          </a:p>
-          <a:p>
-            <a:endParaRPr lang="en-US" sz="2800" dirty="0"/>
-          </a:p>
-          <a:p>
-            <a:endParaRPr lang="en-US" sz="2800" noProof="1"/>
-          </a:p>
-          <a:p>
-            <a:pPr marL="0" indent="0">
+          <a:lstStyle>
+            <a:lvl1pPr marL="0" indent="0" algn="l" defTabSz="1218072" rtl="0" eaLnBrk="1" latinLnBrk="1" hangingPunct="1">
+              <a:lnSpc>
+                <a:spcPct val="100000"/>
+              </a:lnSpc>
+              <a:spcBef>
+                <a:spcPts val="600"/>
+              </a:spcBef>
+              <a:spcAft>
+                <a:spcPts val="600"/>
+              </a:spcAft>
+              <a:buFont typeface="Wingdings" panose="05000000000000000000" pitchFamily="2" charset="2"/>
               <a:buNone/>
-            </a:pPr>
-            <a:endParaRPr lang="en-US" sz="2800" noProof="1"/>
-          </a:p>
-          <a:p>
-            <a:endParaRPr lang="en-US" sz="2800" dirty="0"/>
+              <a:defRPr lang="en-US" sz="2397" b="1" kern="1200" noProof="1" smtClean="0">
+                <a:solidFill>
+                  <a:schemeClr val="tx1"/>
+                </a:solidFill>
+                <a:effectLst/>
+                <a:latin typeface="Consolas" pitchFamily="49" charset="0"/>
+                <a:ea typeface="+mn-ea"/>
+                <a:cs typeface="Consolas" pitchFamily="49" charset="0"/>
+              </a:defRPr>
+            </a:lvl1pPr>
+            <a:lvl2pPr marL="989684" indent="-380648" algn="l" defTabSz="1218072" rtl="0" eaLnBrk="1" latinLnBrk="1" hangingPunct="1">
+              <a:lnSpc>
+                <a:spcPct val="105000"/>
+              </a:lnSpc>
+              <a:spcBef>
+                <a:spcPts val="600"/>
+              </a:spcBef>
+              <a:spcAft>
+                <a:spcPts val="600"/>
+              </a:spcAft>
+              <a:buFont typeface="Wingdings" panose="05000000000000000000" pitchFamily="2" charset="2"/>
+              <a:buChar char="§"/>
+              <a:defRPr sz="3197" kern="1200">
+                <a:solidFill>
+                  <a:schemeClr val="tx1"/>
+                </a:solidFill>
+                <a:latin typeface="+mn-lt"/>
+                <a:ea typeface="+mn-ea"/>
+                <a:cs typeface="+mn-cs"/>
+              </a:defRPr>
+            </a:lvl2pPr>
+            <a:lvl3pPr marL="1522591" indent="-304519" algn="l" defTabSz="1218072" rtl="0" eaLnBrk="1" latinLnBrk="1" hangingPunct="1">
+              <a:lnSpc>
+                <a:spcPct val="105000"/>
+              </a:lnSpc>
+              <a:spcBef>
+                <a:spcPts val="600"/>
+              </a:spcBef>
+              <a:spcAft>
+                <a:spcPts val="600"/>
+              </a:spcAft>
+              <a:buFont typeface="Wingdings" panose="05000000000000000000" pitchFamily="2" charset="2"/>
+              <a:buChar char="§"/>
+              <a:defRPr sz="2997" kern="1200">
+                <a:solidFill>
+                  <a:schemeClr val="tx1"/>
+                </a:solidFill>
+                <a:latin typeface="+mn-lt"/>
+                <a:ea typeface="+mn-ea"/>
+                <a:cs typeface="+mn-cs"/>
+              </a:defRPr>
+            </a:lvl3pPr>
+            <a:lvl4pPr marL="2131627" indent="-304519" algn="l" defTabSz="1218072" rtl="0" eaLnBrk="1" latinLnBrk="1" hangingPunct="1">
+              <a:lnSpc>
+                <a:spcPct val="105000"/>
+              </a:lnSpc>
+              <a:spcBef>
+                <a:spcPts val="600"/>
+              </a:spcBef>
+              <a:spcAft>
+                <a:spcPts val="600"/>
+              </a:spcAft>
+              <a:buFont typeface="Wingdings" panose="05000000000000000000" pitchFamily="2" charset="2"/>
+              <a:buChar char="§"/>
+              <a:defRPr sz="2797" kern="1200">
+                <a:solidFill>
+                  <a:schemeClr val="tx1"/>
+                </a:solidFill>
+                <a:latin typeface="+mn-lt"/>
+                <a:ea typeface="+mn-ea"/>
+                <a:cs typeface="+mn-cs"/>
+              </a:defRPr>
+            </a:lvl4pPr>
+            <a:lvl5pPr marL="2740663" indent="-304519" algn="l" defTabSz="1218072" rtl="0" eaLnBrk="1" latinLnBrk="1" hangingPunct="1">
+              <a:lnSpc>
+                <a:spcPct val="105000"/>
+              </a:lnSpc>
+              <a:spcBef>
+                <a:spcPts val="600"/>
+              </a:spcBef>
+              <a:spcAft>
+                <a:spcPts val="600"/>
+              </a:spcAft>
+              <a:buFont typeface="Wingdings" panose="05000000000000000000" pitchFamily="2" charset="2"/>
+              <a:buChar char="§"/>
+              <a:defRPr sz="2597" kern="1200">
+                <a:solidFill>
+                  <a:schemeClr val="tx1"/>
+                </a:solidFill>
+                <a:latin typeface="+mn-lt"/>
+                <a:ea typeface="+mn-ea"/>
+                <a:cs typeface="+mn-cs"/>
+              </a:defRPr>
+            </a:lvl5pPr>
+            <a:lvl6pPr marL="3349699" indent="-304519" algn="l" defTabSz="1218072" rtl="0" eaLnBrk="1" latinLnBrk="1" hangingPunct="1">
+              <a:spcBef>
+                <a:spcPct val="20000"/>
+              </a:spcBef>
+              <a:buFont typeface="Arial" pitchFamily="34" charset="0"/>
+              <a:buChar char="•"/>
+              <a:defRPr sz="2664" kern="1200">
+                <a:solidFill>
+                  <a:schemeClr val="tx1"/>
+                </a:solidFill>
+                <a:latin typeface="+mn-lt"/>
+                <a:ea typeface="+mn-ea"/>
+                <a:cs typeface="+mn-cs"/>
+              </a:defRPr>
+            </a:lvl6pPr>
+            <a:lvl7pPr marL="3958736" indent="-304519" algn="l" defTabSz="1218072" rtl="0" eaLnBrk="1" latinLnBrk="1" hangingPunct="1">
+              <a:spcBef>
+                <a:spcPct val="20000"/>
+              </a:spcBef>
+              <a:buFont typeface="Arial" pitchFamily="34" charset="0"/>
+              <a:buChar char="•"/>
+              <a:defRPr sz="2664" kern="1200">
+                <a:solidFill>
+                  <a:schemeClr val="tx1"/>
+                </a:solidFill>
+                <a:latin typeface="+mn-lt"/>
+                <a:ea typeface="+mn-ea"/>
+                <a:cs typeface="+mn-cs"/>
+              </a:defRPr>
+            </a:lvl7pPr>
+            <a:lvl8pPr marL="4567772" indent="-304519" algn="l" defTabSz="1218072" rtl="0" eaLnBrk="1" latinLnBrk="1" hangingPunct="1">
+              <a:spcBef>
+                <a:spcPct val="20000"/>
+              </a:spcBef>
+              <a:buFont typeface="Arial" pitchFamily="34" charset="0"/>
+              <a:buChar char="•"/>
+              <a:defRPr sz="2664" kern="1200">
+                <a:solidFill>
+                  <a:schemeClr val="tx1"/>
+                </a:solidFill>
+                <a:latin typeface="+mn-lt"/>
+                <a:ea typeface="+mn-ea"/>
+                <a:cs typeface="+mn-cs"/>
+              </a:defRPr>
+            </a:lvl8pPr>
+            <a:lvl9pPr marL="5176808" indent="-304519" algn="l" defTabSz="1218072" rtl="0" eaLnBrk="1" latinLnBrk="1" hangingPunct="1">
+              <a:spcBef>
+                <a:spcPct val="20000"/>
+              </a:spcBef>
+              <a:buFont typeface="Arial" pitchFamily="34" charset="0"/>
+              <a:buChar char="•"/>
+              <a:defRPr sz="2664" kern="1200">
+                <a:solidFill>
+                  <a:schemeClr val="tx1"/>
+                </a:solidFill>
+                <a:latin typeface="+mn-lt"/>
+                <a:ea typeface="+mn-ea"/>
+                <a:cs typeface="+mn-cs"/>
+              </a:defRPr>
+            </a:lvl9pPr>
+          </a:lstStyle>
+          <a:p>
+            <a:r>
+              <a:rPr lang="en-GB" sz="1800" dirty="0"/>
+              <a:t>docker-compose build</a:t>
+            </a:r>
+          </a:p>
+        </p:txBody>
+      </p:sp>
+      <p:sp>
+        <p:nvSpPr>
+          <p:cNvPr id="10" name="Text Placeholder 5">
+            <a:extLst>
+              <a:ext uri="{FF2B5EF4-FFF2-40B4-BE49-F238E27FC236}">
+                <a16:creationId xmlns:a16="http://schemas.microsoft.com/office/drawing/2014/main" id="{124F70A5-3C30-42B2-A87B-FA24FF3E5979}"/>
+              </a:ext>
+            </a:extLst>
+          </p:cNvPr>
+          <p:cNvSpPr>
+            <a:spLocks noGrp="1"/>
+          </p:cNvSpPr>
+          <p:nvPr/>
+        </p:nvSpPr>
+        <p:spPr>
+          <a:xfrm>
+            <a:off x="1342417" y="4657792"/>
+            <a:ext cx="9503990" cy="925995"/>
+          </a:xfrm>
+          <a:prstGeom prst="rect">
+            <a:avLst/>
+          </a:prstGeom>
+          <a:solidFill>
+            <a:schemeClr val="accent6">
+              <a:lumMod val="75000"/>
+              <a:alpha val="15000"/>
+            </a:schemeClr>
+          </a:solidFill>
+          <a:ln w="12700">
+            <a:solidFill>
+              <a:schemeClr val="tx1">
+                <a:lumMod val="50000"/>
+              </a:schemeClr>
+            </a:solidFill>
+          </a:ln>
+        </p:spPr>
+        <p:txBody>
+          <a:bodyPr vert="horz" wrap="square" lIns="144000" tIns="108000" rIns="144000" bIns="108000" rtlCol="0">
+            <a:spAutoFit/>
+          </a:bodyPr>
+          <a:lstStyle>
+            <a:lvl1pPr marL="0" indent="0" algn="l" defTabSz="1218072" rtl="0" eaLnBrk="1" latinLnBrk="1" hangingPunct="1">
+              <a:lnSpc>
+                <a:spcPct val="100000"/>
+              </a:lnSpc>
+              <a:spcBef>
+                <a:spcPts val="600"/>
+              </a:spcBef>
+              <a:spcAft>
+                <a:spcPts val="600"/>
+              </a:spcAft>
+              <a:buFont typeface="Wingdings" panose="05000000000000000000" pitchFamily="2" charset="2"/>
+              <a:buNone/>
+              <a:defRPr lang="en-US" sz="2397" b="1" kern="1200" noProof="1" smtClean="0">
+                <a:solidFill>
+                  <a:schemeClr val="tx1"/>
+                </a:solidFill>
+                <a:effectLst/>
+                <a:latin typeface="Consolas" pitchFamily="49" charset="0"/>
+                <a:ea typeface="+mn-ea"/>
+                <a:cs typeface="Consolas" pitchFamily="49" charset="0"/>
+              </a:defRPr>
+            </a:lvl1pPr>
+            <a:lvl2pPr marL="989684" indent="-380648" algn="l" defTabSz="1218072" rtl="0" eaLnBrk="1" latinLnBrk="1" hangingPunct="1">
+              <a:lnSpc>
+                <a:spcPct val="105000"/>
+              </a:lnSpc>
+              <a:spcBef>
+                <a:spcPts val="600"/>
+              </a:spcBef>
+              <a:spcAft>
+                <a:spcPts val="600"/>
+              </a:spcAft>
+              <a:buFont typeface="Wingdings" panose="05000000000000000000" pitchFamily="2" charset="2"/>
+              <a:buChar char="§"/>
+              <a:defRPr sz="3197" kern="1200">
+                <a:solidFill>
+                  <a:schemeClr val="tx1"/>
+                </a:solidFill>
+                <a:latin typeface="+mn-lt"/>
+                <a:ea typeface="+mn-ea"/>
+                <a:cs typeface="+mn-cs"/>
+              </a:defRPr>
+            </a:lvl2pPr>
+            <a:lvl3pPr marL="1522591" indent="-304519" algn="l" defTabSz="1218072" rtl="0" eaLnBrk="1" latinLnBrk="1" hangingPunct="1">
+              <a:lnSpc>
+                <a:spcPct val="105000"/>
+              </a:lnSpc>
+              <a:spcBef>
+                <a:spcPts val="600"/>
+              </a:spcBef>
+              <a:spcAft>
+                <a:spcPts val="600"/>
+              </a:spcAft>
+              <a:buFont typeface="Wingdings" panose="05000000000000000000" pitchFamily="2" charset="2"/>
+              <a:buChar char="§"/>
+              <a:defRPr sz="2997" kern="1200">
+                <a:solidFill>
+                  <a:schemeClr val="tx1"/>
+                </a:solidFill>
+                <a:latin typeface="+mn-lt"/>
+                <a:ea typeface="+mn-ea"/>
+                <a:cs typeface="+mn-cs"/>
+              </a:defRPr>
+            </a:lvl3pPr>
+            <a:lvl4pPr marL="2131627" indent="-304519" algn="l" defTabSz="1218072" rtl="0" eaLnBrk="1" latinLnBrk="1" hangingPunct="1">
+              <a:lnSpc>
+                <a:spcPct val="105000"/>
+              </a:lnSpc>
+              <a:spcBef>
+                <a:spcPts val="600"/>
+              </a:spcBef>
+              <a:spcAft>
+                <a:spcPts val="600"/>
+              </a:spcAft>
+              <a:buFont typeface="Wingdings" panose="05000000000000000000" pitchFamily="2" charset="2"/>
+              <a:buChar char="§"/>
+              <a:defRPr sz="2797" kern="1200">
+                <a:solidFill>
+                  <a:schemeClr val="tx1"/>
+                </a:solidFill>
+                <a:latin typeface="+mn-lt"/>
+                <a:ea typeface="+mn-ea"/>
+                <a:cs typeface="+mn-cs"/>
+              </a:defRPr>
+            </a:lvl4pPr>
+            <a:lvl5pPr marL="2740663" indent="-304519" algn="l" defTabSz="1218072" rtl="0" eaLnBrk="1" latinLnBrk="1" hangingPunct="1">
+              <a:lnSpc>
+                <a:spcPct val="105000"/>
+              </a:lnSpc>
+              <a:spcBef>
+                <a:spcPts val="600"/>
+              </a:spcBef>
+              <a:spcAft>
+                <a:spcPts val="600"/>
+              </a:spcAft>
+              <a:buFont typeface="Wingdings" panose="05000000000000000000" pitchFamily="2" charset="2"/>
+              <a:buChar char="§"/>
+              <a:defRPr sz="2597" kern="1200">
+                <a:solidFill>
+                  <a:schemeClr val="tx1"/>
+                </a:solidFill>
+                <a:latin typeface="+mn-lt"/>
+                <a:ea typeface="+mn-ea"/>
+                <a:cs typeface="+mn-cs"/>
+              </a:defRPr>
+            </a:lvl5pPr>
+            <a:lvl6pPr marL="3349699" indent="-304519" algn="l" defTabSz="1218072" rtl="0" eaLnBrk="1" latinLnBrk="1" hangingPunct="1">
+              <a:spcBef>
+                <a:spcPct val="20000"/>
+              </a:spcBef>
+              <a:buFont typeface="Arial" pitchFamily="34" charset="0"/>
+              <a:buChar char="•"/>
+              <a:defRPr sz="2664" kern="1200">
+                <a:solidFill>
+                  <a:schemeClr val="tx1"/>
+                </a:solidFill>
+                <a:latin typeface="+mn-lt"/>
+                <a:ea typeface="+mn-ea"/>
+                <a:cs typeface="+mn-cs"/>
+              </a:defRPr>
+            </a:lvl6pPr>
+            <a:lvl7pPr marL="3958736" indent="-304519" algn="l" defTabSz="1218072" rtl="0" eaLnBrk="1" latinLnBrk="1" hangingPunct="1">
+              <a:spcBef>
+                <a:spcPct val="20000"/>
+              </a:spcBef>
+              <a:buFont typeface="Arial" pitchFamily="34" charset="0"/>
+              <a:buChar char="•"/>
+              <a:defRPr sz="2664" kern="1200">
+                <a:solidFill>
+                  <a:schemeClr val="tx1"/>
+                </a:solidFill>
+                <a:latin typeface="+mn-lt"/>
+                <a:ea typeface="+mn-ea"/>
+                <a:cs typeface="+mn-cs"/>
+              </a:defRPr>
+            </a:lvl7pPr>
+            <a:lvl8pPr marL="4567772" indent="-304519" algn="l" defTabSz="1218072" rtl="0" eaLnBrk="1" latinLnBrk="1" hangingPunct="1">
+              <a:spcBef>
+                <a:spcPct val="20000"/>
+              </a:spcBef>
+              <a:buFont typeface="Arial" pitchFamily="34" charset="0"/>
+              <a:buChar char="•"/>
+              <a:defRPr sz="2664" kern="1200">
+                <a:solidFill>
+                  <a:schemeClr val="tx1"/>
+                </a:solidFill>
+                <a:latin typeface="+mn-lt"/>
+                <a:ea typeface="+mn-ea"/>
+                <a:cs typeface="+mn-cs"/>
+              </a:defRPr>
+            </a:lvl8pPr>
+            <a:lvl9pPr marL="5176808" indent="-304519" algn="l" defTabSz="1218072" rtl="0" eaLnBrk="1" latinLnBrk="1" hangingPunct="1">
+              <a:spcBef>
+                <a:spcPct val="20000"/>
+              </a:spcBef>
+              <a:buFont typeface="Arial" pitchFamily="34" charset="0"/>
+              <a:buChar char="•"/>
+              <a:defRPr sz="2664" kern="1200">
+                <a:solidFill>
+                  <a:schemeClr val="tx1"/>
+                </a:solidFill>
+                <a:latin typeface="+mn-lt"/>
+                <a:ea typeface="+mn-ea"/>
+                <a:cs typeface="+mn-cs"/>
+              </a:defRPr>
+            </a:lvl9pPr>
+          </a:lstStyle>
+          <a:p>
+            <a:r>
+              <a:rPr lang="en-GB" sz="1800" dirty="0"/>
+              <a:t>docker-compose down</a:t>
+            </a:r>
+          </a:p>
+          <a:p>
+            <a:r>
+              <a:rPr lang="en-GB" sz="1800" dirty="0"/>
+              <a:t>docker volume prune</a:t>
+            </a:r>
+          </a:p>
+        </p:txBody>
+      </p:sp>
+      <p:sp>
+        <p:nvSpPr>
+          <p:cNvPr id="2" name="Text Placeholder 5">
+            <a:extLst>
+              <a:ext uri="{FF2B5EF4-FFF2-40B4-BE49-F238E27FC236}">
+                <a16:creationId xmlns:a16="http://schemas.microsoft.com/office/drawing/2014/main" id="{6011627F-1E40-441E-B1BB-B481B5201955}"/>
+              </a:ext>
+            </a:extLst>
+          </p:cNvPr>
+          <p:cNvSpPr>
+            <a:spLocks noGrp="1"/>
+          </p:cNvSpPr>
+          <p:nvPr/>
+        </p:nvSpPr>
+        <p:spPr>
+          <a:xfrm>
+            <a:off x="1342417" y="3671707"/>
+            <a:ext cx="9503990" cy="495108"/>
+          </a:xfrm>
+          <a:prstGeom prst="rect">
+            <a:avLst/>
+          </a:prstGeom>
+          <a:solidFill>
+            <a:schemeClr val="accent6">
+              <a:lumMod val="75000"/>
+              <a:alpha val="15000"/>
+            </a:schemeClr>
+          </a:solidFill>
+          <a:ln w="12700">
+            <a:solidFill>
+              <a:schemeClr val="tx1">
+                <a:lumMod val="50000"/>
+              </a:schemeClr>
+            </a:solidFill>
+          </a:ln>
+        </p:spPr>
+        <p:txBody>
+          <a:bodyPr vert="horz" wrap="square" lIns="144000" tIns="108000" rIns="144000" bIns="108000" rtlCol="0">
+            <a:spAutoFit/>
+          </a:bodyPr>
+          <a:lstStyle>
+            <a:lvl1pPr marL="0" indent="0" algn="l" defTabSz="1218072" rtl="0" eaLnBrk="1" latinLnBrk="1" hangingPunct="1">
+              <a:lnSpc>
+                <a:spcPct val="100000"/>
+              </a:lnSpc>
+              <a:spcBef>
+                <a:spcPts val="600"/>
+              </a:spcBef>
+              <a:spcAft>
+                <a:spcPts val="600"/>
+              </a:spcAft>
+              <a:buFont typeface="Wingdings" panose="05000000000000000000" pitchFamily="2" charset="2"/>
+              <a:buNone/>
+              <a:defRPr lang="en-US" sz="2397" b="1" kern="1200" noProof="1" smtClean="0">
+                <a:solidFill>
+                  <a:schemeClr val="tx1"/>
+                </a:solidFill>
+                <a:effectLst/>
+                <a:latin typeface="Consolas" pitchFamily="49" charset="0"/>
+                <a:ea typeface="+mn-ea"/>
+                <a:cs typeface="Consolas" pitchFamily="49" charset="0"/>
+              </a:defRPr>
+            </a:lvl1pPr>
+            <a:lvl2pPr marL="989684" indent="-380648" algn="l" defTabSz="1218072" rtl="0" eaLnBrk="1" latinLnBrk="1" hangingPunct="1">
+              <a:lnSpc>
+                <a:spcPct val="105000"/>
+              </a:lnSpc>
+              <a:spcBef>
+                <a:spcPts val="600"/>
+              </a:spcBef>
+              <a:spcAft>
+                <a:spcPts val="600"/>
+              </a:spcAft>
+              <a:buFont typeface="Wingdings" panose="05000000000000000000" pitchFamily="2" charset="2"/>
+              <a:buChar char="§"/>
+              <a:defRPr sz="3197" kern="1200">
+                <a:solidFill>
+                  <a:schemeClr val="tx1"/>
+                </a:solidFill>
+                <a:latin typeface="+mn-lt"/>
+                <a:ea typeface="+mn-ea"/>
+                <a:cs typeface="+mn-cs"/>
+              </a:defRPr>
+            </a:lvl2pPr>
+            <a:lvl3pPr marL="1522591" indent="-304519" algn="l" defTabSz="1218072" rtl="0" eaLnBrk="1" latinLnBrk="1" hangingPunct="1">
+              <a:lnSpc>
+                <a:spcPct val="105000"/>
+              </a:lnSpc>
+              <a:spcBef>
+                <a:spcPts val="600"/>
+              </a:spcBef>
+              <a:spcAft>
+                <a:spcPts val="600"/>
+              </a:spcAft>
+              <a:buFont typeface="Wingdings" panose="05000000000000000000" pitchFamily="2" charset="2"/>
+              <a:buChar char="§"/>
+              <a:defRPr sz="2997" kern="1200">
+                <a:solidFill>
+                  <a:schemeClr val="tx1"/>
+                </a:solidFill>
+                <a:latin typeface="+mn-lt"/>
+                <a:ea typeface="+mn-ea"/>
+                <a:cs typeface="+mn-cs"/>
+              </a:defRPr>
+            </a:lvl3pPr>
+            <a:lvl4pPr marL="2131627" indent="-304519" algn="l" defTabSz="1218072" rtl="0" eaLnBrk="1" latinLnBrk="1" hangingPunct="1">
+              <a:lnSpc>
+                <a:spcPct val="105000"/>
+              </a:lnSpc>
+              <a:spcBef>
+                <a:spcPts val="600"/>
+              </a:spcBef>
+              <a:spcAft>
+                <a:spcPts val="600"/>
+              </a:spcAft>
+              <a:buFont typeface="Wingdings" panose="05000000000000000000" pitchFamily="2" charset="2"/>
+              <a:buChar char="§"/>
+              <a:defRPr sz="2797" kern="1200">
+                <a:solidFill>
+                  <a:schemeClr val="tx1"/>
+                </a:solidFill>
+                <a:latin typeface="+mn-lt"/>
+                <a:ea typeface="+mn-ea"/>
+                <a:cs typeface="+mn-cs"/>
+              </a:defRPr>
+            </a:lvl4pPr>
+            <a:lvl5pPr marL="2740663" indent="-304519" algn="l" defTabSz="1218072" rtl="0" eaLnBrk="1" latinLnBrk="1" hangingPunct="1">
+              <a:lnSpc>
+                <a:spcPct val="105000"/>
+              </a:lnSpc>
+              <a:spcBef>
+                <a:spcPts val="600"/>
+              </a:spcBef>
+              <a:spcAft>
+                <a:spcPts val="600"/>
+              </a:spcAft>
+              <a:buFont typeface="Wingdings" panose="05000000000000000000" pitchFamily="2" charset="2"/>
+              <a:buChar char="§"/>
+              <a:defRPr sz="2597" kern="1200">
+                <a:solidFill>
+                  <a:schemeClr val="tx1"/>
+                </a:solidFill>
+                <a:latin typeface="+mn-lt"/>
+                <a:ea typeface="+mn-ea"/>
+                <a:cs typeface="+mn-cs"/>
+              </a:defRPr>
+            </a:lvl5pPr>
+            <a:lvl6pPr marL="3349699" indent="-304519" algn="l" defTabSz="1218072" rtl="0" eaLnBrk="1" latinLnBrk="1" hangingPunct="1">
+              <a:spcBef>
+                <a:spcPct val="20000"/>
+              </a:spcBef>
+              <a:buFont typeface="Arial" pitchFamily="34" charset="0"/>
+              <a:buChar char="•"/>
+              <a:defRPr sz="2664" kern="1200">
+                <a:solidFill>
+                  <a:schemeClr val="tx1"/>
+                </a:solidFill>
+                <a:latin typeface="+mn-lt"/>
+                <a:ea typeface="+mn-ea"/>
+                <a:cs typeface="+mn-cs"/>
+              </a:defRPr>
+            </a:lvl6pPr>
+            <a:lvl7pPr marL="3958736" indent="-304519" algn="l" defTabSz="1218072" rtl="0" eaLnBrk="1" latinLnBrk="1" hangingPunct="1">
+              <a:spcBef>
+                <a:spcPct val="20000"/>
+              </a:spcBef>
+              <a:buFont typeface="Arial" pitchFamily="34" charset="0"/>
+              <a:buChar char="•"/>
+              <a:defRPr sz="2664" kern="1200">
+                <a:solidFill>
+                  <a:schemeClr val="tx1"/>
+                </a:solidFill>
+                <a:latin typeface="+mn-lt"/>
+                <a:ea typeface="+mn-ea"/>
+                <a:cs typeface="+mn-cs"/>
+              </a:defRPr>
+            </a:lvl7pPr>
+            <a:lvl8pPr marL="4567772" indent="-304519" algn="l" defTabSz="1218072" rtl="0" eaLnBrk="1" latinLnBrk="1" hangingPunct="1">
+              <a:spcBef>
+                <a:spcPct val="20000"/>
+              </a:spcBef>
+              <a:buFont typeface="Arial" pitchFamily="34" charset="0"/>
+              <a:buChar char="•"/>
+              <a:defRPr sz="2664" kern="1200">
+                <a:solidFill>
+                  <a:schemeClr val="tx1"/>
+                </a:solidFill>
+                <a:latin typeface="+mn-lt"/>
+                <a:ea typeface="+mn-ea"/>
+                <a:cs typeface="+mn-cs"/>
+              </a:defRPr>
+            </a:lvl8pPr>
+            <a:lvl9pPr marL="5176808" indent="-304519" algn="l" defTabSz="1218072" rtl="0" eaLnBrk="1" latinLnBrk="1" hangingPunct="1">
+              <a:spcBef>
+                <a:spcPct val="20000"/>
+              </a:spcBef>
+              <a:buFont typeface="Arial" pitchFamily="34" charset="0"/>
+              <a:buChar char="•"/>
+              <a:defRPr sz="2664" kern="1200">
+                <a:solidFill>
+                  <a:schemeClr val="tx1"/>
+                </a:solidFill>
+                <a:latin typeface="+mn-lt"/>
+                <a:ea typeface="+mn-ea"/>
+                <a:cs typeface="+mn-cs"/>
+              </a:defRPr>
+            </a:lvl9pPr>
+          </a:lstStyle>
+          <a:p>
+            <a:r>
+              <a:rPr lang="en-GB" sz="1800" dirty="0"/>
+              <a:t>docker-compose up -d</a:t>
+            </a:r>
           </a:p>
         </p:txBody>
       </p:sp>
     </p:spTree>
     <p:extLst>
       <p:ext uri="{BB962C8B-B14F-4D97-AF65-F5344CB8AC3E}">
-        <p14:creationId xmlns:p14="http://schemas.microsoft.com/office/powerpoint/2010/main" val="1886689013"/>
+        <p14:creationId xmlns:p14="http://schemas.microsoft.com/office/powerpoint/2010/main" val="424601878"/>
       </p:ext>
     </p:extLst>
   </p:cSld>
@@ -26363,266 +27020,32 @@
       </p:grpSpPr>
       <p:sp>
         <p:nvSpPr>
-          <p:cNvPr id="7" name="Slide Number Placeholder 3"/>
-          <p:cNvSpPr>
-            <a:spLocks noGrp="1"/>
-          </p:cNvSpPr>
-          <p:nvPr>
-            <p:ph type="sldNum" sz="quarter" idx="4294967295"/>
+          <p:cNvPr id="4" name="Title 3"/>
+          <p:cNvSpPr>
+            <a:spLocks noGrp="1"/>
+          </p:cNvSpPr>
+          <p:nvPr>
+            <p:ph type="ctrTitle"/>
           </p:nvPr>
         </p:nvSpPr>
         <p:spPr>
           <a:xfrm>
-            <a:off x="11568000" y="6525003"/>
-            <a:ext cx="428822" cy="196477"/>
+            <a:off x="914400" y="2667000"/>
+            <a:ext cx="10363200" cy="903700"/>
           </a:xfrm>
-          <a:prstGeom prst="rect">
-            <a:avLst/>
-          </a:prstGeom>
         </p:spPr>
         <p:txBody>
           <a:bodyPr/>
           <a:lstStyle/>
           <a:p>
             <a:pPr>
-              <a:defRPr/>
-            </a:pPr>
-            <a:fld id="{58452FF4-89E3-4D1B-9927-2DBDC00E58D7}" type="slidenum">
-              <a:rPr lang="en-US" smtClean="0"/>
-              <a:pPr>
-                <a:defRPr/>
-              </a:pPr>
-              <a:t>69</a:t>
-            </a:fld>
-            <a:endParaRPr lang="en-US" dirty="0"/>
-          </a:p>
-        </p:txBody>
-      </p:sp>
-      <p:sp>
-        <p:nvSpPr>
-          <p:cNvPr id="5" name="Content Placeholder 4"/>
-          <p:cNvSpPr>
-            <a:spLocks noGrp="1"/>
-          </p:cNvSpPr>
-          <p:nvPr>
-            <p:ph idx="1"/>
-          </p:nvPr>
-        </p:nvSpPr>
-        <p:spPr>
-          <a:xfrm>
-            <a:off x="1141413" y="1712549"/>
-            <a:ext cx="11696797" cy="5458202"/>
-          </a:xfrm>
-        </p:spPr>
-        <p:txBody>
-          <a:bodyPr>
-            <a:normAutofit/>
-          </a:bodyPr>
-          <a:lstStyle/>
-          <a:p>
-            <a:pPr>
-              <a:lnSpc>
-                <a:spcPct val="100000"/>
-              </a:lnSpc>
-            </a:pPr>
-            <a:r>
-              <a:rPr lang="en-US" dirty="0"/>
-              <a:t>Events with set dates:</a:t>
-            </a:r>
-          </a:p>
-          <a:p>
-            <a:pPr lvl="1">
-              <a:lnSpc>
-                <a:spcPct val="100000"/>
-              </a:lnSpc>
-            </a:pPr>
-            <a:r>
-              <a:rPr lang="en-US" dirty="0"/>
-              <a:t>December 19 – Becoming a Software Architect: The Knowledge Path</a:t>
-            </a:r>
-          </a:p>
-          <a:p>
-            <a:pPr>
-              <a:lnSpc>
-                <a:spcPct val="100000"/>
-              </a:lnSpc>
-            </a:pPr>
-            <a:r>
-              <a:rPr lang="en-US" dirty="0"/>
-              <a:t>Events with no specific order or dates:</a:t>
-            </a:r>
-          </a:p>
-          <a:p>
-            <a:pPr lvl="1">
-              <a:lnSpc>
-                <a:spcPct val="100000"/>
-              </a:lnSpc>
-            </a:pPr>
-            <a:r>
-              <a:rPr lang="en-US" dirty="0"/>
-              <a:t>Automate Your Process with CI/CD</a:t>
-            </a:r>
-          </a:p>
-          <a:p>
-            <a:pPr lvl="1">
-              <a:lnSpc>
-                <a:spcPct val="100000"/>
-              </a:lnSpc>
-            </a:pPr>
-            <a:r>
-              <a:rPr lang="en-US" dirty="0"/>
-              <a:t>The Limits of the C# Runtime</a:t>
-            </a:r>
-          </a:p>
-          <a:p>
-            <a:pPr lvl="1">
-              <a:lnSpc>
-                <a:spcPct val="100000"/>
-              </a:lnSpc>
-            </a:pPr>
-            <a:r>
-              <a:rPr lang="en-US" dirty="0"/>
-              <a:t>API Scenarios - REST, </a:t>
-            </a:r>
-            <a:r>
-              <a:rPr lang="en-US" dirty="0" err="1"/>
-              <a:t>GraphQL</a:t>
-            </a:r>
-            <a:r>
-              <a:rPr lang="en-US" dirty="0"/>
-              <a:t> &amp; </a:t>
-            </a:r>
-            <a:r>
-              <a:rPr lang="en-US" dirty="0" err="1"/>
-              <a:t>gRPC</a:t>
-            </a:r>
-            <a:endParaRPr lang="en-US" dirty="0"/>
-          </a:p>
-          <a:p>
-            <a:pPr lvl="1">
-              <a:lnSpc>
-                <a:spcPct val="100000"/>
-              </a:lnSpc>
-            </a:pPr>
-            <a:r>
-              <a:rPr lang="en-US" dirty="0"/>
-              <a:t>Serverless Real-Time C# Applications On AWS? Yes, It’s Possible &amp; Easy!</a:t>
-            </a:r>
-            <a:endParaRPr lang="bg-BG" dirty="0"/>
-          </a:p>
-          <a:p>
-            <a:pPr lvl="1">
-              <a:lnSpc>
-                <a:spcPct val="100000"/>
-              </a:lnSpc>
-            </a:pPr>
-            <a:r>
-              <a:rPr lang="en-US" dirty="0"/>
-              <a:t>Software Engineering – Patterns &amp; Anti-Patterns</a:t>
-            </a:r>
-            <a:endParaRPr lang="bg-BG" dirty="0"/>
-          </a:p>
-          <a:p>
-            <a:pPr lvl="1">
-              <a:lnSpc>
-                <a:spcPct val="100000"/>
-              </a:lnSpc>
-            </a:pPr>
-            <a:r>
-              <a:rPr lang="en-US" dirty="0"/>
-              <a:t>Plus many more! For example Microservices Details?</a:t>
-            </a:r>
-          </a:p>
-          <a:p>
-            <a:pPr>
-              <a:lnSpc>
-                <a:spcPct val="100000"/>
-              </a:lnSpc>
-            </a:pPr>
-            <a:r>
-              <a:rPr lang="en-US" dirty="0"/>
-              <a:t>The </a:t>
-            </a:r>
-            <a:r>
-              <a:rPr lang="en-US" dirty="0" err="1"/>
-              <a:t>SoftUni</a:t>
-            </a:r>
-            <a:r>
-              <a:rPr lang="en-US" dirty="0"/>
-              <a:t> course for Microservices DevOps is </a:t>
-            </a:r>
-            <a:r>
-              <a:rPr lang="en-GB" dirty="0"/>
-              <a:t>starting soon</a:t>
-            </a:r>
-            <a:r>
-              <a:rPr lang="en-US" dirty="0"/>
-              <a:t>!</a:t>
-            </a:r>
-          </a:p>
-          <a:p>
-            <a:pPr lvl="1">
-              <a:lnSpc>
-                <a:spcPct val="100000"/>
-              </a:lnSpc>
-            </a:pPr>
-            <a:r>
-              <a:rPr lang="en-US" dirty="0"/>
-              <a:t>Use </a:t>
-            </a:r>
-            <a:r>
-              <a:rPr lang="en-US" b="1" dirty="0"/>
-              <a:t>CODEITUP-Process-20</a:t>
-            </a:r>
-            <a:r>
-              <a:rPr lang="en-US" dirty="0"/>
-              <a:t> for a 20% discount!</a:t>
-            </a:r>
-          </a:p>
-          <a:p>
-            <a:pPr lvl="1">
-              <a:lnSpc>
-                <a:spcPct val="100000"/>
-              </a:lnSpc>
-            </a:pPr>
-            <a:endParaRPr lang="en-US" dirty="0"/>
-          </a:p>
-          <a:p>
-            <a:pPr>
-              <a:lnSpc>
-                <a:spcPct val="100000"/>
-              </a:lnSpc>
-            </a:pPr>
-            <a:endParaRPr lang="en-US" dirty="0"/>
-          </a:p>
-          <a:p>
-            <a:pPr>
-              <a:lnSpc>
-                <a:spcPct val="100000"/>
-              </a:lnSpc>
-            </a:pPr>
-            <a:endParaRPr lang="en-US" dirty="0"/>
-          </a:p>
-        </p:txBody>
-      </p:sp>
-      <p:sp>
-        <p:nvSpPr>
-          <p:cNvPr id="4" name="Title 3"/>
-          <p:cNvSpPr>
-            <a:spLocks noGrp="1"/>
-          </p:cNvSpPr>
-          <p:nvPr>
-            <p:ph type="title"/>
-          </p:nvPr>
-        </p:nvSpPr>
-        <p:spPr/>
-        <p:txBody>
-          <a:bodyPr/>
-          <a:lstStyle/>
-          <a:p>
-            <a:r>
-              <a:rPr lang="en-US" dirty="0"/>
-              <a:t>Upcoming Code it up Events</a:t>
+              <a:lnSpc>
+                <a:spcPct val="100000"/>
+              </a:lnSpc>
+            </a:pPr>
+            <a:r>
+              <a:rPr lang="en-US" dirty="0"/>
+              <a:t>FINAL WORDS</a:t>
             </a:r>
           </a:p>
         </p:txBody>
@@ -26630,7 +27053,7 @@
     </p:spTree>
     <p:extLst>
       <p:ext uri="{BB962C8B-B14F-4D97-AF65-F5344CB8AC3E}">
-        <p14:creationId xmlns:p14="http://schemas.microsoft.com/office/powerpoint/2010/main" val="4215474862"/>
+        <p14:creationId xmlns:p14="http://schemas.microsoft.com/office/powerpoint/2010/main" val="1704949760"/>
       </p:ext>
     </p:extLst>
   </p:cSld>
@@ -26985,6 +27408,483 @@
                 <a:defRPr/>
               </a:pPr>
               <a:t>70</a:t>
+            </a:fld>
+            <a:endParaRPr lang="en-US" dirty="0"/>
+          </a:p>
+        </p:txBody>
+      </p:sp>
+      <p:sp>
+        <p:nvSpPr>
+          <p:cNvPr id="4" name="Title 3"/>
+          <p:cNvSpPr>
+            <a:spLocks noGrp="1"/>
+          </p:cNvSpPr>
+          <p:nvPr>
+            <p:ph type="title"/>
+          </p:nvPr>
+        </p:nvSpPr>
+        <p:spPr/>
+        <p:txBody>
+          <a:bodyPr/>
+          <a:lstStyle/>
+          <a:p>
+            <a:r>
+              <a:rPr lang="en-US" dirty="0"/>
+              <a:t>Summary</a:t>
+            </a:r>
+          </a:p>
+        </p:txBody>
+      </p:sp>
+      <p:sp>
+        <p:nvSpPr>
+          <p:cNvPr id="8" name="Content Placeholder 4">
+            <a:extLst>
+              <a:ext uri="{FF2B5EF4-FFF2-40B4-BE49-F238E27FC236}">
+                <a16:creationId xmlns:a16="http://schemas.microsoft.com/office/drawing/2014/main" id="{126C0C9E-A891-4FD3-9AE3-7D644538D54D}"/>
+              </a:ext>
+            </a:extLst>
+          </p:cNvPr>
+          <p:cNvSpPr>
+            <a:spLocks noGrp="1"/>
+          </p:cNvSpPr>
+          <p:nvPr>
+            <p:ph idx="1"/>
+          </p:nvPr>
+        </p:nvSpPr>
+        <p:spPr>
+          <a:xfrm>
+            <a:off x="1141414" y="1805699"/>
+            <a:ext cx="10513175" cy="4611143"/>
+          </a:xfrm>
+        </p:spPr>
+        <p:txBody>
+          <a:bodyPr>
+            <a:normAutofit fontScale="92500" lnSpcReduction="10000"/>
+          </a:bodyPr>
+          <a:lstStyle/>
+          <a:p>
+            <a:r>
+              <a:rPr lang="en-US" sz="2800" dirty="0"/>
+              <a:t>About Code It Up</a:t>
+            </a:r>
+          </a:p>
+          <a:p>
+            <a:r>
+              <a:rPr lang="en-US" sz="2800" dirty="0"/>
+              <a:t>Microservice Communication Types</a:t>
+            </a:r>
+          </a:p>
+          <a:p>
+            <a:r>
+              <a:rPr lang="en-US" sz="2800" dirty="0"/>
+              <a:t>Consistency Between Services</a:t>
+            </a:r>
+          </a:p>
+          <a:p>
+            <a:r>
+              <a:rPr lang="en-US" sz="2800" dirty="0"/>
+              <a:t>Communication Between Services</a:t>
+            </a:r>
+          </a:p>
+          <a:p>
+            <a:r>
+              <a:rPr lang="en-US" sz="2800" noProof="1"/>
+              <a:t>Using A Message Broker</a:t>
+            </a:r>
+          </a:p>
+          <a:p>
+            <a:r>
+              <a:rPr lang="en-US" sz="2800" noProof="1"/>
+              <a:t>Partial Failures</a:t>
+            </a:r>
+          </a:p>
+          <a:p>
+            <a:r>
+              <a:rPr lang="en-US" sz="2800" dirty="0"/>
+              <a:t>Messages Resiliency</a:t>
+            </a:r>
+          </a:p>
+          <a:p>
+            <a:r>
+              <a:rPr lang="en-US" sz="2800" dirty="0"/>
+              <a:t>The Outbox Pattern</a:t>
+            </a:r>
+          </a:p>
+          <a:p>
+            <a:endParaRPr lang="en-US" sz="2800" dirty="0"/>
+          </a:p>
+          <a:p>
+            <a:endParaRPr lang="en-US" sz="2800" noProof="1"/>
+          </a:p>
+          <a:p>
+            <a:pPr marL="0" indent="0">
+              <a:buNone/>
+            </a:pPr>
+            <a:endParaRPr lang="en-US" sz="2800" noProof="1"/>
+          </a:p>
+          <a:p>
+            <a:endParaRPr lang="en-US" sz="2800" dirty="0"/>
+          </a:p>
+        </p:txBody>
+      </p:sp>
+    </p:spTree>
+    <p:extLst>
+      <p:ext uri="{BB962C8B-B14F-4D97-AF65-F5344CB8AC3E}">
+        <p14:creationId xmlns:p14="http://schemas.microsoft.com/office/powerpoint/2010/main" val="1886689013"/>
+      </p:ext>
+    </p:extLst>
+  </p:cSld>
+  <p:clrMapOvr>
+    <a:masterClrMapping/>
+  </p:clrMapOvr>
+</p:sld>
+</file>
+
+<file path=ppt/slides/slide71.xml><?xml version="1.0" encoding="utf-8"?>
+<p:sld xmlns:a="http://schemas.openxmlformats.org/drawingml/2006/main" xmlns:r="http://schemas.openxmlformats.org/officeDocument/2006/relationships" xmlns:p="http://schemas.openxmlformats.org/presentationml/2006/main">
+  <p:cSld>
+    <p:spTree>
+      <p:nvGrpSpPr>
+        <p:cNvPr id="1" name=""/>
+        <p:cNvGrpSpPr/>
+        <p:nvPr/>
+      </p:nvGrpSpPr>
+      <p:grpSpPr>
+        <a:xfrm>
+          <a:off x="0" y="0"/>
+          <a:ext cx="0" cy="0"/>
+          <a:chOff x="0" y="0"/>
+          <a:chExt cx="0" cy="0"/>
+        </a:xfrm>
+      </p:grpSpPr>
+      <p:sp>
+        <p:nvSpPr>
+          <p:cNvPr id="7" name="Slide Number Placeholder 3"/>
+          <p:cNvSpPr>
+            <a:spLocks noGrp="1"/>
+          </p:cNvSpPr>
+          <p:nvPr>
+            <p:ph type="sldNum" sz="quarter" idx="4294967295"/>
+          </p:nvPr>
+        </p:nvSpPr>
+        <p:spPr>
+          <a:xfrm>
+            <a:off x="11568000" y="6525003"/>
+            <a:ext cx="428822" cy="196477"/>
+          </a:xfrm>
+          <a:prstGeom prst="rect">
+            <a:avLst/>
+          </a:prstGeom>
+        </p:spPr>
+        <p:txBody>
+          <a:bodyPr/>
+          <a:lstStyle/>
+          <a:p>
+            <a:pPr>
+              <a:defRPr/>
+            </a:pPr>
+            <a:fld id="{58452FF4-89E3-4D1B-9927-2DBDC00E58D7}" type="slidenum">
+              <a:rPr lang="en-US" smtClean="0"/>
+              <a:pPr>
+                <a:defRPr/>
+              </a:pPr>
+              <a:t>71</a:t>
+            </a:fld>
+            <a:endParaRPr lang="en-US" dirty="0"/>
+          </a:p>
+        </p:txBody>
+      </p:sp>
+      <p:sp>
+        <p:nvSpPr>
+          <p:cNvPr id="5" name="Content Placeholder 4"/>
+          <p:cNvSpPr>
+            <a:spLocks noGrp="1"/>
+          </p:cNvSpPr>
+          <p:nvPr>
+            <p:ph idx="1"/>
+          </p:nvPr>
+        </p:nvSpPr>
+        <p:spPr>
+          <a:xfrm>
+            <a:off x="1141413" y="1712549"/>
+            <a:ext cx="11696797" cy="5458202"/>
+          </a:xfrm>
+        </p:spPr>
+        <p:txBody>
+          <a:bodyPr>
+            <a:normAutofit/>
+          </a:bodyPr>
+          <a:lstStyle/>
+          <a:p>
+            <a:pPr>
+              <a:lnSpc>
+                <a:spcPct val="100000"/>
+              </a:lnSpc>
+            </a:pPr>
+            <a:r>
+              <a:rPr lang="en-US" dirty="0"/>
+              <a:t>Events with set dates:</a:t>
+            </a:r>
+          </a:p>
+          <a:p>
+            <a:pPr lvl="1">
+              <a:lnSpc>
+                <a:spcPct val="100000"/>
+              </a:lnSpc>
+            </a:pPr>
+            <a:r>
+              <a:rPr lang="en-US" dirty="0"/>
+              <a:t>December 19 – Becoming a Software Architect: The Knowledge Path</a:t>
+            </a:r>
+          </a:p>
+          <a:p>
+            <a:pPr>
+              <a:lnSpc>
+                <a:spcPct val="100000"/>
+              </a:lnSpc>
+            </a:pPr>
+            <a:r>
+              <a:rPr lang="en-US" dirty="0"/>
+              <a:t>Events with no specific order or dates:</a:t>
+            </a:r>
+          </a:p>
+          <a:p>
+            <a:pPr lvl="1">
+              <a:lnSpc>
+                <a:spcPct val="100000"/>
+              </a:lnSpc>
+            </a:pPr>
+            <a:r>
+              <a:rPr lang="en-US" dirty="0"/>
+              <a:t>Automate Your Process with CI/CD</a:t>
+            </a:r>
+          </a:p>
+          <a:p>
+            <a:pPr lvl="1">
+              <a:lnSpc>
+                <a:spcPct val="100000"/>
+              </a:lnSpc>
+            </a:pPr>
+            <a:r>
+              <a:rPr lang="en-US" dirty="0"/>
+              <a:t>The Limits of the C# Runtime</a:t>
+            </a:r>
+          </a:p>
+          <a:p>
+            <a:pPr lvl="1">
+              <a:lnSpc>
+                <a:spcPct val="100000"/>
+              </a:lnSpc>
+            </a:pPr>
+            <a:r>
+              <a:rPr lang="en-US" dirty="0"/>
+              <a:t>API Scenarios - REST, </a:t>
+            </a:r>
+            <a:r>
+              <a:rPr lang="en-US" dirty="0" err="1"/>
+              <a:t>GraphQL</a:t>
+            </a:r>
+            <a:r>
+              <a:rPr lang="en-US" dirty="0"/>
+              <a:t> &amp; </a:t>
+            </a:r>
+            <a:r>
+              <a:rPr lang="en-US" dirty="0" err="1"/>
+              <a:t>gRPC</a:t>
+            </a:r>
+            <a:endParaRPr lang="en-US" dirty="0"/>
+          </a:p>
+          <a:p>
+            <a:pPr lvl="1">
+              <a:lnSpc>
+                <a:spcPct val="100000"/>
+              </a:lnSpc>
+            </a:pPr>
+            <a:r>
+              <a:rPr lang="en-US" dirty="0"/>
+              <a:t>Serverless Real-Time C# Applications On AWS? Yes, It’s Possible &amp; Easy!</a:t>
+            </a:r>
+            <a:endParaRPr lang="bg-BG" dirty="0"/>
+          </a:p>
+          <a:p>
+            <a:pPr lvl="1">
+              <a:lnSpc>
+                <a:spcPct val="100000"/>
+              </a:lnSpc>
+            </a:pPr>
+            <a:r>
+              <a:rPr lang="en-US" dirty="0"/>
+              <a:t>Software Engineering – Patterns &amp; Anti-Patterns</a:t>
+            </a:r>
+            <a:endParaRPr lang="bg-BG" dirty="0"/>
+          </a:p>
+          <a:p>
+            <a:pPr lvl="1">
+              <a:lnSpc>
+                <a:spcPct val="100000"/>
+              </a:lnSpc>
+            </a:pPr>
+            <a:r>
+              <a:rPr lang="en-US" dirty="0"/>
+              <a:t>Plus many more! For example Microservices Details?</a:t>
+            </a:r>
+          </a:p>
+          <a:p>
+            <a:pPr>
+              <a:lnSpc>
+                <a:spcPct val="100000"/>
+              </a:lnSpc>
+            </a:pPr>
+            <a:r>
+              <a:rPr lang="en-US" dirty="0"/>
+              <a:t>The </a:t>
+            </a:r>
+            <a:r>
+              <a:rPr lang="en-US" dirty="0" err="1"/>
+              <a:t>SoftUni</a:t>
+            </a:r>
+            <a:r>
+              <a:rPr lang="en-US" dirty="0"/>
+              <a:t> course for Microservices DevOps is </a:t>
+            </a:r>
+            <a:r>
+              <a:rPr lang="en-GB" dirty="0"/>
+              <a:t>starting soon</a:t>
+            </a:r>
+            <a:r>
+              <a:rPr lang="en-US" dirty="0"/>
+              <a:t>!</a:t>
+            </a:r>
+          </a:p>
+          <a:p>
+            <a:pPr lvl="1">
+              <a:lnSpc>
+                <a:spcPct val="100000"/>
+              </a:lnSpc>
+            </a:pPr>
+            <a:r>
+              <a:rPr lang="en-US" dirty="0"/>
+              <a:t>Use </a:t>
+            </a:r>
+            <a:r>
+              <a:rPr lang="en-US" b="1" dirty="0"/>
+              <a:t>CODEITUP-Process-20</a:t>
+            </a:r>
+            <a:r>
+              <a:rPr lang="en-US" dirty="0"/>
+              <a:t> for a 20% discount!</a:t>
+            </a:r>
+          </a:p>
+          <a:p>
+            <a:pPr lvl="1">
+              <a:lnSpc>
+                <a:spcPct val="100000"/>
+              </a:lnSpc>
+            </a:pPr>
+            <a:endParaRPr lang="en-US" dirty="0"/>
+          </a:p>
+          <a:p>
+            <a:pPr>
+              <a:lnSpc>
+                <a:spcPct val="100000"/>
+              </a:lnSpc>
+            </a:pPr>
+            <a:endParaRPr lang="en-US" dirty="0"/>
+          </a:p>
+          <a:p>
+            <a:pPr>
+              <a:lnSpc>
+                <a:spcPct val="100000"/>
+              </a:lnSpc>
+            </a:pPr>
+            <a:endParaRPr lang="en-US" dirty="0"/>
+          </a:p>
+        </p:txBody>
+      </p:sp>
+      <p:sp>
+        <p:nvSpPr>
+          <p:cNvPr id="4" name="Title 3"/>
+          <p:cNvSpPr>
+            <a:spLocks noGrp="1"/>
+          </p:cNvSpPr>
+          <p:nvPr>
+            <p:ph type="title"/>
+          </p:nvPr>
+        </p:nvSpPr>
+        <p:spPr/>
+        <p:txBody>
+          <a:bodyPr/>
+          <a:lstStyle/>
+          <a:p>
+            <a:r>
+              <a:rPr lang="en-US" dirty="0"/>
+              <a:t>Upcoming Code it up Events</a:t>
+            </a:r>
+          </a:p>
+        </p:txBody>
+      </p:sp>
+    </p:spTree>
+    <p:extLst>
+      <p:ext uri="{BB962C8B-B14F-4D97-AF65-F5344CB8AC3E}">
+        <p14:creationId xmlns:p14="http://schemas.microsoft.com/office/powerpoint/2010/main" val="4215474862"/>
+      </p:ext>
+    </p:extLst>
+  </p:cSld>
+  <p:clrMapOvr>
+    <a:masterClrMapping/>
+  </p:clrMapOvr>
+</p:sld>
+</file>
+
+<file path=ppt/slides/slide72.xml><?xml version="1.0" encoding="utf-8"?>
+<p:sld xmlns:a="http://schemas.openxmlformats.org/drawingml/2006/main" xmlns:r="http://schemas.openxmlformats.org/officeDocument/2006/relationships" xmlns:p="http://schemas.openxmlformats.org/presentationml/2006/main">
+  <p:cSld>
+    <p:spTree>
+      <p:nvGrpSpPr>
+        <p:cNvPr id="1" name=""/>
+        <p:cNvGrpSpPr/>
+        <p:nvPr/>
+      </p:nvGrpSpPr>
+      <p:grpSpPr>
+        <a:xfrm>
+          <a:off x="0" y="0"/>
+          <a:ext cx="0" cy="0"/>
+          <a:chOff x="0" y="0"/>
+          <a:chExt cx="0" cy="0"/>
+        </a:xfrm>
+      </p:grpSpPr>
+      <p:sp>
+        <p:nvSpPr>
+          <p:cNvPr id="7" name="Slide Number Placeholder 3"/>
+          <p:cNvSpPr>
+            <a:spLocks noGrp="1"/>
+          </p:cNvSpPr>
+          <p:nvPr>
+            <p:ph type="sldNum" sz="quarter" idx="4294967295"/>
+          </p:nvPr>
+        </p:nvSpPr>
+        <p:spPr>
+          <a:xfrm>
+            <a:off x="11568000" y="6525003"/>
+            <a:ext cx="428822" cy="196477"/>
+          </a:xfrm>
+          <a:prstGeom prst="rect">
+            <a:avLst/>
+          </a:prstGeom>
+        </p:spPr>
+        <p:txBody>
+          <a:bodyPr/>
+          <a:lstStyle/>
+          <a:p>
+            <a:pPr>
+              <a:defRPr/>
+            </a:pPr>
+            <a:fld id="{58452FF4-89E3-4D1B-9927-2DBDC00E58D7}" type="slidenum">
+              <a:rPr lang="en-US" smtClean="0"/>
+              <a:pPr>
+                <a:defRPr/>
+              </a:pPr>
+              <a:t>72</a:t>
             </a:fld>
             <a:endParaRPr lang="en-US" dirty="0"/>
           </a:p>
@@ -27351,7 +28251,7 @@
 </p:sld>
 </file>
 
-<file path=ppt/slides/slide71.xml><?xml version="1.0" encoding="utf-8"?>
+<file path=ppt/slides/slide73.xml><?xml version="1.0" encoding="utf-8"?>
 <p:sld xmlns:a="http://schemas.openxmlformats.org/drawingml/2006/main" xmlns:r="http://schemas.openxmlformats.org/officeDocument/2006/relationships" xmlns:p="http://schemas.openxmlformats.org/presentationml/2006/main">
   <p:cSld>
     <p:spTree>
